--- a/Lecture slides/NYT B02 - How to Review.pptx
+++ b/Lecture slides/NYT B02 - How to Review.pptx
@@ -1206,7 +1206,7 @@
       </p:grpSpPr>
       <p:sp>
         <p:nvSpPr>
-          <p:cNvPr id="65" name="Google Shape;65;gf5a950148e_0_0:notes"/>
+          <p:cNvPr id="65" name="Google Shape;65;g23918a65300_0_38:notes"/>
           <p:cNvSpPr/>
           <p:nvPr>
             <p:ph idx="2" type="sldImg"/>
@@ -1241,7 +1241,7 @@
       </p:sp>
       <p:sp>
         <p:nvSpPr>
-          <p:cNvPr id="66" name="Google Shape;66;gf5a950148e_0_0:notes"/>
+          <p:cNvPr id="66" name="Google Shape;66;g23918a65300_0_38:notes"/>
           <p:cNvSpPr txBox="1"/>
           <p:nvPr>
             <p:ph idx="1" type="body"/>
@@ -1305,7 +1305,7 @@
       </p:grpSpPr>
       <p:sp>
         <p:nvSpPr>
-          <p:cNvPr id="71" name="Google Shape;71;gf5a950148e_0_6:notes"/>
+          <p:cNvPr id="71" name="Google Shape;71;g23918a65300_0_43:notes"/>
           <p:cNvSpPr/>
           <p:nvPr>
             <p:ph idx="2" type="sldImg"/>
@@ -1340,7 +1340,7 @@
       </p:sp>
       <p:sp>
         <p:nvSpPr>
-          <p:cNvPr id="72" name="Google Shape;72;gf5a950148e_0_6:notes"/>
+          <p:cNvPr id="72" name="Google Shape;72;g23918a65300_0_43:notes"/>
           <p:cNvSpPr txBox="1"/>
           <p:nvPr>
             <p:ph idx="1" type="body"/>
@@ -1702,7 +1702,7 @@
             <a:avLst/>
           </a:prstGeom>
           <a:solidFill>
-            <a:schemeClr val="accent1"/>
+            <a:schemeClr val="accent5"/>
           </a:solidFill>
           <a:ln>
             <a:noFill/>
@@ -1895,7 +1895,7 @@
             <a:avLst/>
           </a:prstGeom>
           <a:solidFill>
-            <a:schemeClr val="accent1"/>
+            <a:schemeClr val="accent5"/>
           </a:solidFill>
           <a:ln>
             <a:noFill/>
@@ -2359,7 +2359,7 @@
             <a:avLst/>
           </a:prstGeom>
           <a:solidFill>
-            <a:schemeClr val="accent1"/>
+            <a:schemeClr val="accent5"/>
           </a:solidFill>
           <a:ln>
             <a:noFill/>
@@ -2951,7 +2951,7 @@
             <a:avLst/>
           </a:prstGeom>
           <a:solidFill>
-            <a:schemeClr val="accent1"/>
+            <a:schemeClr val="accent5"/>
           </a:solidFill>
           <a:ln>
             <a:noFill/>
@@ -3290,7 +3290,7 @@
             <a:avLst/>
           </a:prstGeom>
           <a:solidFill>
-            <a:schemeClr val="accent1"/>
+            <a:schemeClr val="accent5"/>
           </a:solidFill>
           <a:ln>
             <a:noFill/>
@@ -6139,28 +6139,28 @@
         <a:srgbClr val="FFFFFF"/>
       </a:lt1>
       <a:dk2>
-        <a:srgbClr val="808080"/>
+        <a:srgbClr val="404040"/>
       </a:dk2>
       <a:lt2>
-        <a:srgbClr val="DCDCDC"/>
+        <a:srgbClr val="808080"/>
       </a:lt2>
       <a:accent1>
-        <a:srgbClr val="4CAF50"/>
+        <a:srgbClr val="D0D0D0"/>
       </a:accent1>
       <a:accent2>
-        <a:srgbClr val="1E90FF"/>
+        <a:srgbClr val="4169E1"/>
       </a:accent2>
       <a:accent3>
-        <a:srgbClr val="FF0000"/>
+        <a:srgbClr val="D50D01"/>
       </a:accent3>
       <a:accent4>
-        <a:srgbClr val="424242"/>
+        <a:srgbClr val="FEB612"/>
       </a:accent4>
       <a:accent5>
-        <a:srgbClr val="D9D9D9"/>
+        <a:srgbClr val="4CAF50"/>
       </a:accent5>
       <a:accent6>
-        <a:srgbClr val="D9D9D9"/>
+        <a:srgbClr val="8E44AD"/>
       </a:accent6>
       <a:hlink>
         <a:srgbClr val="34A3C5"/>
